--- a/CSFeatures/CS72&73.pptx
+++ b/CSFeatures/CS72&73.pptx
@@ -4200,19 +4200,19 @@
     </dgm:pt>
   </dgm:ptLst>
   <dgm:cxnLst>
-    <dgm:cxn modelId="{9B1D81FF-828C-42CF-A368-9B3F75316107}" srcId="{352FE7B3-671C-4073-B16B-7DCE4922259F}" destId="{9C88220A-761A-4F7D-AA10-BAC424FB10F0}" srcOrd="0" destOrd="0" parTransId="{2FE5BB0F-B73A-4921-92C0-73E78A0DED05}" sibTransId="{A328FF6E-D807-41F5-9B54-86013E55F153}"/>
+    <dgm:cxn modelId="{357BCBDC-D35D-47FB-920E-4EB4EE226CB3}" type="presOf" srcId="{32F05761-3994-4624-8FA0-C05CFC989FE2}" destId="{5C760EA2-0703-43E1-A48C-D563D9B9CF39}" srcOrd="0" destOrd="0" presId="urn:microsoft.com/office/officeart/2005/8/layout/hList6"/>
     <dgm:cxn modelId="{25F9789F-2737-43F8-9046-ED0D0B19243B}" type="presOf" srcId="{86892350-85C6-44D5-A4E0-5BDE0D2948DF}" destId="{42B20AE0-90BA-49BD-A2FF-3EE3A010A3EF}" srcOrd="0" destOrd="0" presId="urn:microsoft.com/office/officeart/2005/8/layout/hList6"/>
-    <dgm:cxn modelId="{4B54B365-52BF-49B2-A265-32E9398C77D7}" srcId="{352FE7B3-671C-4073-B16B-7DCE4922259F}" destId="{7C6AFF78-FB90-44E5-93AD-FDC77BD488E2}" srcOrd="5" destOrd="0" parTransId="{0BCF5DD6-BEE9-4DD7-AE86-BF49B485E272}" sibTransId="{BBF5C8FD-439D-4185-AA77-541675A064F6}"/>
-    <dgm:cxn modelId="{2BB81E27-6415-4B0F-89B7-02D92F7D4DE7}" type="presOf" srcId="{7C6AFF78-FB90-44E5-93AD-FDC77BD488E2}" destId="{A0CE45E0-DFDD-4351-A72A-8505030C57C3}" srcOrd="0" destOrd="0" presId="urn:microsoft.com/office/officeart/2005/8/layout/hList6"/>
-    <dgm:cxn modelId="{48919342-748E-43AA-9747-8D68CB42CE08}" type="presOf" srcId="{352FE7B3-671C-4073-B16B-7DCE4922259F}" destId="{B15400B7-7BB5-4F51-BF08-1085B699AEF0}" srcOrd="0" destOrd="0" presId="urn:microsoft.com/office/officeart/2005/8/layout/hList6"/>
-    <dgm:cxn modelId="{357BCBDC-D35D-47FB-920E-4EB4EE226CB3}" type="presOf" srcId="{32F05761-3994-4624-8FA0-C05CFC989FE2}" destId="{5C760EA2-0703-43E1-A48C-D563D9B9CF39}" srcOrd="0" destOrd="0" presId="urn:microsoft.com/office/officeart/2005/8/layout/hList6"/>
-    <dgm:cxn modelId="{983D8F50-C9FB-4111-B016-2406D33D1B09}" type="presOf" srcId="{5E06DF69-6A89-46C1-AEC5-ABF1244C6C74}" destId="{A4A084B5-831E-4886-9159-E3805285A6E3}" srcOrd="0" destOrd="0" presId="urn:microsoft.com/office/officeart/2005/8/layout/hList6"/>
-    <dgm:cxn modelId="{E57075E5-5D11-4E75-82BB-061E2B8AD75E}" type="presOf" srcId="{9C88220A-761A-4F7D-AA10-BAC424FB10F0}" destId="{D0807BC8-3214-4EA7-83A1-C064A52D56B2}" srcOrd="0" destOrd="0" presId="urn:microsoft.com/office/officeart/2005/8/layout/hList6"/>
+    <dgm:cxn modelId="{7D38B57F-C5FC-4C38-B130-E0DDAB58D6C9}" srcId="{352FE7B3-671C-4073-B16B-7DCE4922259F}" destId="{3BC26A73-6D8D-4E98-BB69-7EC11F8047E2}" srcOrd="3" destOrd="0" parTransId="{BE87D313-09EF-4E29-8F94-B4DCCD68462A}" sibTransId="{6E5A83F2-D837-4A18-AD76-736D61FB6A7F}"/>
     <dgm:cxn modelId="{346FC0A3-EADD-43B7-8808-64BD415355CB}" srcId="{352FE7B3-671C-4073-B16B-7DCE4922259F}" destId="{5E06DF69-6A89-46C1-AEC5-ABF1244C6C74}" srcOrd="1" destOrd="0" parTransId="{092B60E8-D5E7-42BD-B61B-5402E2D9578C}" sibTransId="{71E237C5-80A3-46DD-952B-12EB23049E8C}"/>
     <dgm:cxn modelId="{F816E334-ABD4-4615-BAF3-7CA44469130C}" srcId="{352FE7B3-671C-4073-B16B-7DCE4922259F}" destId="{32F05761-3994-4624-8FA0-C05CFC989FE2}" srcOrd="2" destOrd="0" parTransId="{C2791A8D-C57A-4145-8A42-9AB6AA844879}" sibTransId="{44CCD00D-E2E3-46B7-B5FB-7E6C27B8FAA0}"/>
+    <dgm:cxn modelId="{983D8F50-C9FB-4111-B016-2406D33D1B09}" type="presOf" srcId="{5E06DF69-6A89-46C1-AEC5-ABF1244C6C74}" destId="{A4A084B5-831E-4886-9159-E3805285A6E3}" srcOrd="0" destOrd="0" presId="urn:microsoft.com/office/officeart/2005/8/layout/hList6"/>
+    <dgm:cxn modelId="{2BB81E27-6415-4B0F-89B7-02D92F7D4DE7}" type="presOf" srcId="{7C6AFF78-FB90-44E5-93AD-FDC77BD488E2}" destId="{A0CE45E0-DFDD-4351-A72A-8505030C57C3}" srcOrd="0" destOrd="0" presId="urn:microsoft.com/office/officeart/2005/8/layout/hList6"/>
+    <dgm:cxn modelId="{C289BAF3-EBCB-44F3-A3F2-28DAD7E12704}" type="presOf" srcId="{3BC26A73-6D8D-4E98-BB69-7EC11F8047E2}" destId="{7885D384-7AC2-486A-B21B-402622FF55CE}" srcOrd="0" destOrd="0" presId="urn:microsoft.com/office/officeart/2005/8/layout/hList6"/>
+    <dgm:cxn modelId="{E57075E5-5D11-4E75-82BB-061E2B8AD75E}" type="presOf" srcId="{9C88220A-761A-4F7D-AA10-BAC424FB10F0}" destId="{D0807BC8-3214-4EA7-83A1-C064A52D56B2}" srcOrd="0" destOrd="0" presId="urn:microsoft.com/office/officeart/2005/8/layout/hList6"/>
+    <dgm:cxn modelId="{9B1D81FF-828C-42CF-A368-9B3F75316107}" srcId="{352FE7B3-671C-4073-B16B-7DCE4922259F}" destId="{9C88220A-761A-4F7D-AA10-BAC424FB10F0}" srcOrd="0" destOrd="0" parTransId="{2FE5BB0F-B73A-4921-92C0-73E78A0DED05}" sibTransId="{A328FF6E-D807-41F5-9B54-86013E55F153}"/>
+    <dgm:cxn modelId="{48919342-748E-43AA-9747-8D68CB42CE08}" type="presOf" srcId="{352FE7B3-671C-4073-B16B-7DCE4922259F}" destId="{B15400B7-7BB5-4F51-BF08-1085B699AEF0}" srcOrd="0" destOrd="0" presId="urn:microsoft.com/office/officeart/2005/8/layout/hList6"/>
     <dgm:cxn modelId="{0CE5437D-F317-4F48-ABBB-036E19710D22}" srcId="{352FE7B3-671C-4073-B16B-7DCE4922259F}" destId="{86892350-85C6-44D5-A4E0-5BDE0D2948DF}" srcOrd="4" destOrd="0" parTransId="{37CF5B84-9F4A-418B-9BC8-D5419FC8E088}" sibTransId="{7D1EB2F4-56C7-4D78-BE43-3DFC7624124A}"/>
-    <dgm:cxn modelId="{7D38B57F-C5FC-4C38-B130-E0DDAB58D6C9}" srcId="{352FE7B3-671C-4073-B16B-7DCE4922259F}" destId="{3BC26A73-6D8D-4E98-BB69-7EC11F8047E2}" srcOrd="3" destOrd="0" parTransId="{BE87D313-09EF-4E29-8F94-B4DCCD68462A}" sibTransId="{6E5A83F2-D837-4A18-AD76-736D61FB6A7F}"/>
-    <dgm:cxn modelId="{C289BAF3-EBCB-44F3-A3F2-28DAD7E12704}" type="presOf" srcId="{3BC26A73-6D8D-4E98-BB69-7EC11F8047E2}" destId="{7885D384-7AC2-486A-B21B-402622FF55CE}" srcOrd="0" destOrd="0" presId="urn:microsoft.com/office/officeart/2005/8/layout/hList6"/>
+    <dgm:cxn modelId="{4B54B365-52BF-49B2-A265-32E9398C77D7}" srcId="{352FE7B3-671C-4073-B16B-7DCE4922259F}" destId="{7C6AFF78-FB90-44E5-93AD-FDC77BD488E2}" srcOrd="5" destOrd="0" parTransId="{0BCF5DD6-BEE9-4DD7-AE86-BF49B485E272}" sibTransId="{BBF5C8FD-439D-4185-AA77-541675A064F6}"/>
     <dgm:cxn modelId="{3F239EB8-6461-459F-9657-879F9CD02647}" type="presParOf" srcId="{B15400B7-7BB5-4F51-BF08-1085B699AEF0}" destId="{D0807BC8-3214-4EA7-83A1-C064A52D56B2}" srcOrd="0" destOrd="0" presId="urn:microsoft.com/office/officeart/2005/8/layout/hList6"/>
     <dgm:cxn modelId="{C13F314A-C586-4115-ADC1-14A64D2DD3BB}" type="presParOf" srcId="{B15400B7-7BB5-4F51-BF08-1085B699AEF0}" destId="{2219CF2A-1A5B-4B8B-B632-296CCD0741DD}" srcOrd="1" destOrd="0" presId="urn:microsoft.com/office/officeart/2005/8/layout/hList6"/>
     <dgm:cxn modelId="{BA3E7705-DF12-47A9-A157-63611D6D1E49}" type="presParOf" srcId="{B15400B7-7BB5-4F51-BF08-1085B699AEF0}" destId="{A4A084B5-831E-4886-9159-E3805285A6E3}" srcOrd="2" destOrd="0" presId="urn:microsoft.com/office/officeart/2005/8/layout/hList6"/>
@@ -5851,459 +5851,6 @@
       <dsp:cNvGrpSpPr/>
     </dsp:nvGrpSpPr>
     <dsp:grpSpPr/>
-    <dsp:sp modelId="{D0807BC8-3214-4EA7-83A1-C064A52D56B2}">
-      <dsp:nvSpPr>
-        <dsp:cNvPr id="0" name=""/>
-        <dsp:cNvSpPr/>
-      </dsp:nvSpPr>
-      <dsp:spPr>
-        <a:xfrm rot="16200000">
-          <a:off x="-1657477" y="1661324"/>
-          <a:ext cx="4842169" cy="1519520"/>
-        </a:xfrm>
-        <a:prstGeom prst="flowChartManualOperation">
-          <a:avLst/>
-        </a:prstGeom>
-        <a:solidFill>
-          <a:schemeClr val="bg1">
-            <a:lumMod val="65000"/>
-          </a:schemeClr>
-        </a:solidFill>
-        <a:ln w="25400" cap="flat" cmpd="sng" algn="ctr">
-          <a:solidFill>
-            <a:schemeClr val="lt1">
-              <a:hueOff val="0"/>
-              <a:satOff val="0"/>
-              <a:lumOff val="0"/>
-              <a:alphaOff val="0"/>
-            </a:schemeClr>
-          </a:solidFill>
-          <a:prstDash val="solid"/>
-        </a:ln>
-        <a:effectLst/>
-      </dsp:spPr>
-      <dsp:style>
-        <a:lnRef idx="2">
-          <a:scrgbClr r="0" g="0" b="0"/>
-        </a:lnRef>
-        <a:fillRef idx="1">
-          <a:scrgbClr r="0" g="0" b="0"/>
-        </a:fillRef>
-        <a:effectRef idx="0">
-          <a:scrgbClr r="0" g="0" b="0"/>
-        </a:effectRef>
-        <a:fontRef idx="minor">
-          <a:schemeClr val="lt1"/>
-        </a:fontRef>
-      </dsp:style>
-      <dsp:txBody>
-        <a:bodyPr spcFirstLastPara="0" vert="horz" wrap="square" lIns="234950" tIns="0" rIns="236389" bIns="0" numCol="1" spcCol="1270" anchor="ctr" anchorCtr="0">
-          <a:noAutofit/>
-        </a:bodyPr>
-        <a:lstStyle/>
-        <a:p>
-          <a:pPr lvl="0" algn="ctr" defTabSz="1644650" rtl="0">
-            <a:lnSpc>
-              <a:spcPct val="90000"/>
-            </a:lnSpc>
-            <a:spcBef>
-              <a:spcPct val="0"/>
-            </a:spcBef>
-            <a:spcAft>
-              <a:spcPct val="35000"/>
-            </a:spcAft>
-          </a:pPr>
-          <a:r>
-            <a:rPr lang="es-ES" sz="3700" kern="1200" dirty="0" smtClean="0"/>
-            <a:t>C# 6.0</a:t>
-          </a:r>
-          <a:endParaRPr lang="es-ES" sz="3700" kern="1200" dirty="0"/>
-        </a:p>
-      </dsp:txBody>
-      <dsp:txXfrm rot="5400000">
-        <a:off x="3847" y="968434"/>
-        <a:ext cx="1519520" cy="2905301"/>
-      </dsp:txXfrm>
-    </dsp:sp>
-    <dsp:sp modelId="{A4A084B5-831E-4886-9159-E3805285A6E3}">
-      <dsp:nvSpPr>
-        <dsp:cNvPr id="0" name=""/>
-        <dsp:cNvSpPr/>
-      </dsp:nvSpPr>
-      <dsp:spPr>
-        <a:xfrm rot="16200000">
-          <a:off x="-23992" y="1661324"/>
-          <a:ext cx="4842169" cy="1519520"/>
-        </a:xfrm>
-        <a:prstGeom prst="flowChartManualOperation">
-          <a:avLst/>
-        </a:prstGeom>
-        <a:solidFill>
-          <a:schemeClr val="bg1">
-            <a:lumMod val="65000"/>
-          </a:schemeClr>
-        </a:solidFill>
-        <a:ln w="25400" cap="flat" cmpd="sng" algn="ctr">
-          <a:solidFill>
-            <a:schemeClr val="lt1">
-              <a:hueOff val="0"/>
-              <a:satOff val="0"/>
-              <a:lumOff val="0"/>
-              <a:alphaOff val="0"/>
-            </a:schemeClr>
-          </a:solidFill>
-          <a:prstDash val="solid"/>
-        </a:ln>
-        <a:effectLst/>
-      </dsp:spPr>
-      <dsp:style>
-        <a:lnRef idx="2">
-          <a:scrgbClr r="0" g="0" b="0"/>
-        </a:lnRef>
-        <a:fillRef idx="1">
-          <a:scrgbClr r="0" g="0" b="0"/>
-        </a:fillRef>
-        <a:effectRef idx="0">
-          <a:scrgbClr r="0" g="0" b="0"/>
-        </a:effectRef>
-        <a:fontRef idx="minor">
-          <a:schemeClr val="lt1"/>
-        </a:fontRef>
-      </dsp:style>
-      <dsp:txBody>
-        <a:bodyPr spcFirstLastPara="0" vert="horz" wrap="square" lIns="234950" tIns="0" rIns="236389" bIns="0" numCol="1" spcCol="1270" anchor="ctr" anchorCtr="0">
-          <a:noAutofit/>
-        </a:bodyPr>
-        <a:lstStyle/>
-        <a:p>
-          <a:pPr lvl="0" algn="ctr" defTabSz="1644650" rtl="0">
-            <a:lnSpc>
-              <a:spcPct val="90000"/>
-            </a:lnSpc>
-            <a:spcBef>
-              <a:spcPct val="0"/>
-            </a:spcBef>
-            <a:spcAft>
-              <a:spcPct val="35000"/>
-            </a:spcAft>
-          </a:pPr>
-          <a:r>
-            <a:rPr lang="es-ES" sz="3700" kern="1200" dirty="0" smtClean="0"/>
-            <a:t>C# 7.0</a:t>
-          </a:r>
-          <a:endParaRPr lang="es-ES" sz="3700" kern="1200" dirty="0"/>
-        </a:p>
-      </dsp:txBody>
-      <dsp:txXfrm rot="5400000">
-        <a:off x="1637332" y="968434"/>
-        <a:ext cx="1519520" cy="2905301"/>
-      </dsp:txXfrm>
-    </dsp:sp>
-    <dsp:sp modelId="{5C760EA2-0703-43E1-A48C-D563D9B9CF39}">
-      <dsp:nvSpPr>
-        <dsp:cNvPr id="0" name=""/>
-        <dsp:cNvSpPr/>
-      </dsp:nvSpPr>
-      <dsp:spPr>
-        <a:xfrm rot="16200000">
-          <a:off x="1609492" y="1661324"/>
-          <a:ext cx="4842169" cy="1519520"/>
-        </a:xfrm>
-        <a:prstGeom prst="flowChartManualOperation">
-          <a:avLst/>
-        </a:prstGeom>
-        <a:solidFill>
-          <a:schemeClr val="bg1">
-            <a:lumMod val="65000"/>
-          </a:schemeClr>
-        </a:solidFill>
-        <a:ln w="25400" cap="flat" cmpd="sng" algn="ctr">
-          <a:solidFill>
-            <a:schemeClr val="lt1">
-              <a:hueOff val="0"/>
-              <a:satOff val="0"/>
-              <a:lumOff val="0"/>
-              <a:alphaOff val="0"/>
-            </a:schemeClr>
-          </a:solidFill>
-          <a:prstDash val="solid"/>
-        </a:ln>
-        <a:effectLst/>
-      </dsp:spPr>
-      <dsp:style>
-        <a:lnRef idx="2">
-          <a:scrgbClr r="0" g="0" b="0"/>
-        </a:lnRef>
-        <a:fillRef idx="1">
-          <a:scrgbClr r="0" g="0" b="0"/>
-        </a:fillRef>
-        <a:effectRef idx="0">
-          <a:scrgbClr r="0" g="0" b="0"/>
-        </a:effectRef>
-        <a:fontRef idx="minor">
-          <a:schemeClr val="lt1"/>
-        </a:fontRef>
-      </dsp:style>
-      <dsp:txBody>
-        <a:bodyPr spcFirstLastPara="0" vert="horz" wrap="square" lIns="234950" tIns="0" rIns="236389" bIns="0" numCol="1" spcCol="1270" anchor="ctr" anchorCtr="0">
-          <a:noAutofit/>
-        </a:bodyPr>
-        <a:lstStyle/>
-        <a:p>
-          <a:pPr lvl="0" algn="ctr" defTabSz="1644650" rtl="0">
-            <a:lnSpc>
-              <a:spcPct val="90000"/>
-            </a:lnSpc>
-            <a:spcBef>
-              <a:spcPct val="0"/>
-            </a:spcBef>
-            <a:spcAft>
-              <a:spcPct val="35000"/>
-            </a:spcAft>
-          </a:pPr>
-          <a:r>
-            <a:rPr lang="es-ES" sz="3700" kern="1200" dirty="0" smtClean="0"/>
-            <a:t>C# 7.1</a:t>
-          </a:r>
-          <a:endParaRPr lang="es-ES" sz="3700" kern="1200" dirty="0"/>
-        </a:p>
-      </dsp:txBody>
-      <dsp:txXfrm rot="5400000">
-        <a:off x="3270816" y="968434"/>
-        <a:ext cx="1519520" cy="2905301"/>
-      </dsp:txXfrm>
-    </dsp:sp>
-    <dsp:sp modelId="{7885D384-7AC2-486A-B21B-402622FF55CE}">
-      <dsp:nvSpPr>
-        <dsp:cNvPr id="0" name=""/>
-        <dsp:cNvSpPr/>
-      </dsp:nvSpPr>
-      <dsp:spPr>
-        <a:xfrm rot="16200000">
-          <a:off x="3242976" y="1661324"/>
-          <a:ext cx="4842169" cy="1519520"/>
-        </a:xfrm>
-        <a:prstGeom prst="flowChartManualOperation">
-          <a:avLst/>
-        </a:prstGeom>
-        <a:solidFill>
-          <a:schemeClr val="accent5">
-            <a:hueOff val="0"/>
-            <a:satOff val="0"/>
-            <a:lumOff val="0"/>
-            <a:alphaOff val="0"/>
-          </a:schemeClr>
-        </a:solidFill>
-        <a:ln w="25400" cap="flat" cmpd="sng" algn="ctr">
-          <a:solidFill>
-            <a:schemeClr val="lt1">
-              <a:hueOff val="0"/>
-              <a:satOff val="0"/>
-              <a:lumOff val="0"/>
-              <a:alphaOff val="0"/>
-            </a:schemeClr>
-          </a:solidFill>
-          <a:prstDash val="solid"/>
-        </a:ln>
-        <a:effectLst/>
-      </dsp:spPr>
-      <dsp:style>
-        <a:lnRef idx="2">
-          <a:scrgbClr r="0" g="0" b="0"/>
-        </a:lnRef>
-        <a:fillRef idx="1">
-          <a:scrgbClr r="0" g="0" b="0"/>
-        </a:fillRef>
-        <a:effectRef idx="0">
-          <a:scrgbClr r="0" g="0" b="0"/>
-        </a:effectRef>
-        <a:fontRef idx="minor">
-          <a:schemeClr val="lt1"/>
-        </a:fontRef>
-      </dsp:style>
-      <dsp:txBody>
-        <a:bodyPr spcFirstLastPara="0" vert="horz" wrap="square" lIns="234950" tIns="0" rIns="236389" bIns="0" numCol="1" spcCol="1270" anchor="ctr" anchorCtr="0">
-          <a:noAutofit/>
-        </a:bodyPr>
-        <a:lstStyle/>
-        <a:p>
-          <a:pPr lvl="0" algn="ctr" defTabSz="1644650" rtl="0">
-            <a:lnSpc>
-              <a:spcPct val="90000"/>
-            </a:lnSpc>
-            <a:spcBef>
-              <a:spcPct val="0"/>
-            </a:spcBef>
-            <a:spcAft>
-              <a:spcPct val="35000"/>
-            </a:spcAft>
-          </a:pPr>
-          <a:r>
-            <a:rPr lang="es-ES" sz="3700" kern="1200" dirty="0" smtClean="0"/>
-            <a:t>C# 7.2</a:t>
-          </a:r>
-          <a:endParaRPr lang="es-ES" sz="3700" kern="1200" dirty="0"/>
-        </a:p>
-      </dsp:txBody>
-      <dsp:txXfrm rot="5400000">
-        <a:off x="4904300" y="968434"/>
-        <a:ext cx="1519520" cy="2905301"/>
-      </dsp:txXfrm>
-    </dsp:sp>
-    <dsp:sp modelId="{42B20AE0-90BA-49BD-A2FF-3EE3A010A3EF}">
-      <dsp:nvSpPr>
-        <dsp:cNvPr id="0" name=""/>
-        <dsp:cNvSpPr/>
-      </dsp:nvSpPr>
-      <dsp:spPr>
-        <a:xfrm rot="16200000">
-          <a:off x="4876461" y="1661324"/>
-          <a:ext cx="4842169" cy="1519520"/>
-        </a:xfrm>
-        <a:prstGeom prst="flowChartManualOperation">
-          <a:avLst/>
-        </a:prstGeom>
-        <a:solidFill>
-          <a:schemeClr val="accent6">
-            <a:hueOff val="0"/>
-            <a:satOff val="0"/>
-            <a:lumOff val="0"/>
-            <a:alphaOff val="0"/>
-          </a:schemeClr>
-        </a:solidFill>
-        <a:ln w="25400" cap="flat" cmpd="sng" algn="ctr">
-          <a:solidFill>
-            <a:schemeClr val="lt1">
-              <a:hueOff val="0"/>
-              <a:satOff val="0"/>
-              <a:lumOff val="0"/>
-              <a:alphaOff val="0"/>
-            </a:schemeClr>
-          </a:solidFill>
-          <a:prstDash val="solid"/>
-        </a:ln>
-        <a:effectLst/>
-      </dsp:spPr>
-      <dsp:style>
-        <a:lnRef idx="2">
-          <a:scrgbClr r="0" g="0" b="0"/>
-        </a:lnRef>
-        <a:fillRef idx="1">
-          <a:scrgbClr r="0" g="0" b="0"/>
-        </a:fillRef>
-        <a:effectRef idx="0">
-          <a:scrgbClr r="0" g="0" b="0"/>
-        </a:effectRef>
-        <a:fontRef idx="minor">
-          <a:schemeClr val="lt1"/>
-        </a:fontRef>
-      </dsp:style>
-      <dsp:txBody>
-        <a:bodyPr spcFirstLastPara="0" vert="horz" wrap="square" lIns="234950" tIns="0" rIns="236389" bIns="0" numCol="1" spcCol="1270" anchor="ctr" anchorCtr="0">
-          <a:noAutofit/>
-        </a:bodyPr>
-        <a:lstStyle/>
-        <a:p>
-          <a:pPr lvl="0" algn="ctr" defTabSz="1644650" rtl="0">
-            <a:lnSpc>
-              <a:spcPct val="90000"/>
-            </a:lnSpc>
-            <a:spcBef>
-              <a:spcPct val="0"/>
-            </a:spcBef>
-            <a:spcAft>
-              <a:spcPct val="35000"/>
-            </a:spcAft>
-          </a:pPr>
-          <a:r>
-            <a:rPr lang="es-ES" sz="3700" kern="1200" dirty="0" smtClean="0"/>
-            <a:t>C# 7.3</a:t>
-          </a:r>
-          <a:endParaRPr lang="es-ES" sz="3700" kern="1200" dirty="0"/>
-        </a:p>
-      </dsp:txBody>
-      <dsp:txXfrm rot="5400000">
-        <a:off x="6537785" y="968434"/>
-        <a:ext cx="1519520" cy="2905301"/>
-      </dsp:txXfrm>
-    </dsp:sp>
-    <dsp:sp modelId="{A0CE45E0-DFDD-4351-A72A-8505030C57C3}">
-      <dsp:nvSpPr>
-        <dsp:cNvPr id="0" name=""/>
-        <dsp:cNvSpPr/>
-      </dsp:nvSpPr>
-      <dsp:spPr>
-        <a:xfrm rot="16200000">
-          <a:off x="6509946" y="1661324"/>
-          <a:ext cx="4842169" cy="1519520"/>
-        </a:xfrm>
-        <a:prstGeom prst="flowChartManualOperation">
-          <a:avLst/>
-        </a:prstGeom>
-        <a:solidFill>
-          <a:schemeClr val="accent2">
-            <a:hueOff val="0"/>
-            <a:satOff val="0"/>
-            <a:lumOff val="0"/>
-            <a:alphaOff val="0"/>
-          </a:schemeClr>
-        </a:solidFill>
-        <a:ln w="25400" cap="flat" cmpd="sng" algn="ctr">
-          <a:solidFill>
-            <a:schemeClr val="lt1">
-              <a:hueOff val="0"/>
-              <a:satOff val="0"/>
-              <a:lumOff val="0"/>
-              <a:alphaOff val="0"/>
-            </a:schemeClr>
-          </a:solidFill>
-          <a:prstDash val="solid"/>
-        </a:ln>
-        <a:effectLst/>
-      </dsp:spPr>
-      <dsp:style>
-        <a:lnRef idx="2">
-          <a:scrgbClr r="0" g="0" b="0"/>
-        </a:lnRef>
-        <a:fillRef idx="1">
-          <a:scrgbClr r="0" g="0" b="0"/>
-        </a:fillRef>
-        <a:effectRef idx="0">
-          <a:scrgbClr r="0" g="0" b="0"/>
-        </a:effectRef>
-        <a:fontRef idx="minor">
-          <a:schemeClr val="lt1"/>
-        </a:fontRef>
-      </dsp:style>
-      <dsp:txBody>
-        <a:bodyPr spcFirstLastPara="0" vert="horz" wrap="square" lIns="234950" tIns="0" rIns="236389" bIns="0" numCol="1" spcCol="1270" anchor="ctr" anchorCtr="0">
-          <a:noAutofit/>
-        </a:bodyPr>
-        <a:lstStyle/>
-        <a:p>
-          <a:pPr lvl="0" algn="ctr" defTabSz="1644650" rtl="0">
-            <a:lnSpc>
-              <a:spcPct val="90000"/>
-            </a:lnSpc>
-            <a:spcBef>
-              <a:spcPct val="0"/>
-            </a:spcBef>
-            <a:spcAft>
-              <a:spcPct val="35000"/>
-            </a:spcAft>
-          </a:pPr>
-          <a:r>
-            <a:rPr lang="es-ES" sz="3700" kern="1200" dirty="0" smtClean="0"/>
-            <a:t>C# ¿8.0?</a:t>
-          </a:r>
-          <a:endParaRPr lang="es-ES" sz="3700" kern="1200" dirty="0"/>
-        </a:p>
-      </dsp:txBody>
-      <dsp:txXfrm rot="5400000">
-        <a:off x="8171270" y="968434"/>
-        <a:ext cx="1519520" cy="2905301"/>
-      </dsp:txXfrm>
-    </dsp:sp>
   </dsp:spTree>
 </dsp:drawing>
 </file>
@@ -11319,7 +10866,7 @@
           <a:p>
             <a:fld id="{27B8802E-0937-47D4-BC87-B51C9102E14A}" type="datetimeFigureOut">
               <a:rPr lang="es-ES" smtClean="0"/>
-              <a:t>06/07/2020</a:t>
+              <a:t>09/07/2020</a:t>
             </a:fld>
             <a:endParaRPr lang="es-ES"/>
           </a:p>
@@ -12055,7 +11602,7 @@
                 <a:tabLst/>
                 <a:defRPr/>
               </a:pPr>
-              <a:t>7/6/2020 7:11 PM</a:t>
+              <a:t>7/9/2020 8:27 PM</a:t>
             </a:fld>
             <a:endParaRPr kumimoji="0" lang="en-US" sz="1200" b="0" i="0" u="none" strike="noStrike" kern="1200" cap="none" spc="0" normalizeH="0" baseline="0" noProof="0" dirty="0">
               <a:ln>
@@ -12461,7 +12008,7 @@
                 <a:tabLst/>
                 <a:defRPr/>
               </a:pPr>
-              <a:t>7/6/2020 7:11 PM</a:t>
+              <a:t>7/9/2020 8:27 PM</a:t>
             </a:fld>
             <a:endParaRPr kumimoji="0" lang="en-US" sz="1200" b="0" i="0" u="none" strike="noStrike" kern="1200" cap="none" spc="0" normalizeH="0" baseline="0" noProof="0" dirty="0">
               <a:ln>
@@ -12867,7 +12414,7 @@
                 <a:tabLst/>
                 <a:defRPr/>
               </a:pPr>
-              <a:t>7/6/2020 7:11 PM</a:t>
+              <a:t>7/9/2020 8:27 PM</a:t>
             </a:fld>
             <a:endParaRPr kumimoji="0" lang="en-US" sz="1200" b="0" i="0" u="none" strike="noStrike" kern="1200" cap="none" spc="0" normalizeH="0" baseline="0" noProof="0" dirty="0">
               <a:ln>
@@ -13273,7 +12820,7 @@
                 <a:tabLst/>
                 <a:defRPr/>
               </a:pPr>
-              <a:t>7/6/2020 7:11 PM</a:t>
+              <a:t>7/9/2020 8:27 PM</a:t>
             </a:fld>
             <a:endParaRPr kumimoji="0" lang="en-US" sz="1200" b="0" i="0" u="none" strike="noStrike" kern="1200" cap="none" spc="0" normalizeH="0" baseline="0" noProof="0" dirty="0">
               <a:ln>
@@ -13675,7 +13222,7 @@
                 <a:tabLst/>
                 <a:defRPr/>
               </a:pPr>
-              <a:t>7/6/2020 7:11 PM</a:t>
+              <a:t>7/9/2020 8:27 PM</a:t>
             </a:fld>
             <a:endParaRPr kumimoji="0" lang="en-US" sz="1200" b="0" i="0" u="none" strike="noStrike" kern="1200" cap="none" spc="0" normalizeH="0" baseline="0" noProof="0" dirty="0">
               <a:ln>
@@ -14077,7 +13624,7 @@
                 <a:tabLst/>
                 <a:defRPr/>
               </a:pPr>
-              <a:t>7/6/2020 7:11 PM</a:t>
+              <a:t>7/9/2020 8:27 PM</a:t>
             </a:fld>
             <a:endParaRPr kumimoji="0" lang="en-US" sz="1200" b="0" i="0" u="none" strike="noStrike" kern="1200" cap="none" spc="0" normalizeH="0" baseline="0" noProof="0" dirty="0">
               <a:ln>
@@ -15195,7 +14742,7 @@
                 <a:tabLst/>
                 <a:defRPr/>
               </a:pPr>
-              <a:t>7/6/2020 7:11 PM</a:t>
+              <a:t>7/9/2020 8:27 PM</a:t>
             </a:fld>
             <a:endParaRPr kumimoji="0" lang="en-US" sz="1200" b="0" i="0" u="none" strike="noStrike" kern="1200" cap="none" spc="0" normalizeH="0" baseline="0" noProof="0" dirty="0">
               <a:ln>
@@ -15597,7 +15144,7 @@
                 <a:tabLst/>
                 <a:defRPr/>
               </a:pPr>
-              <a:t>7/6/2020 7:11 PM</a:t>
+              <a:t>7/9/2020 8:27 PM</a:t>
             </a:fld>
             <a:endParaRPr kumimoji="0" lang="en-US" sz="1200" b="0" i="0" u="none" strike="noStrike" kern="1200" cap="none" spc="0" normalizeH="0" baseline="0" noProof="0" dirty="0">
               <a:ln>
@@ -15893,7 +15440,7 @@
           <a:p>
             <a:fld id="{19846C5A-1DDF-42C4-9FB4-FFCE11C434AC}" type="datetimeFigureOut">
               <a:rPr lang="es-ES" smtClean="0"/>
-              <a:t>06/07/2020</a:t>
+              <a:t>09/07/2020</a:t>
             </a:fld>
             <a:endParaRPr lang="es-ES"/>
           </a:p>
@@ -16063,7 +15610,7 @@
           <a:p>
             <a:fld id="{19846C5A-1DDF-42C4-9FB4-FFCE11C434AC}" type="datetimeFigureOut">
               <a:rPr lang="es-ES" smtClean="0"/>
-              <a:t>06/07/2020</a:t>
+              <a:t>09/07/2020</a:t>
             </a:fld>
             <a:endParaRPr lang="es-ES"/>
           </a:p>
@@ -16243,7 +15790,7 @@
           <a:p>
             <a:fld id="{19846C5A-1DDF-42C4-9FB4-FFCE11C434AC}" type="datetimeFigureOut">
               <a:rPr lang="es-ES" smtClean="0"/>
-              <a:t>06/07/2020</a:t>
+              <a:t>09/07/2020</a:t>
             </a:fld>
             <a:endParaRPr lang="es-ES"/>
           </a:p>
@@ -16548,7 +16095,7 @@
           <a:p>
             <a:fld id="{19846C5A-1DDF-42C4-9FB4-FFCE11C434AC}" type="datetimeFigureOut">
               <a:rPr lang="es-ES" smtClean="0"/>
-              <a:t>06/07/2020</a:t>
+              <a:t>09/07/2020</a:t>
             </a:fld>
             <a:endParaRPr lang="es-ES"/>
           </a:p>
@@ -16794,7 +16341,7 @@
           <a:p>
             <a:fld id="{19846C5A-1DDF-42C4-9FB4-FFCE11C434AC}" type="datetimeFigureOut">
               <a:rPr lang="es-ES" smtClean="0"/>
-              <a:t>06/07/2020</a:t>
+              <a:t>09/07/2020</a:t>
             </a:fld>
             <a:endParaRPr lang="es-ES"/>
           </a:p>
@@ -17082,7 +16629,7 @@
           <a:p>
             <a:fld id="{19846C5A-1DDF-42C4-9FB4-FFCE11C434AC}" type="datetimeFigureOut">
               <a:rPr lang="es-ES" smtClean="0"/>
-              <a:t>06/07/2020</a:t>
+              <a:t>09/07/2020</a:t>
             </a:fld>
             <a:endParaRPr lang="es-ES"/>
           </a:p>
@@ -17504,7 +17051,7 @@
           <a:p>
             <a:fld id="{19846C5A-1DDF-42C4-9FB4-FFCE11C434AC}" type="datetimeFigureOut">
               <a:rPr lang="es-ES" smtClean="0"/>
-              <a:t>06/07/2020</a:t>
+              <a:t>09/07/2020</a:t>
             </a:fld>
             <a:endParaRPr lang="es-ES"/>
           </a:p>
@@ -17622,7 +17169,7 @@
           <a:p>
             <a:fld id="{19846C5A-1DDF-42C4-9FB4-FFCE11C434AC}" type="datetimeFigureOut">
               <a:rPr lang="es-ES" smtClean="0"/>
-              <a:t>06/07/2020</a:t>
+              <a:t>09/07/2020</a:t>
             </a:fld>
             <a:endParaRPr lang="es-ES"/>
           </a:p>
@@ -17717,7 +17264,7 @@
           <a:p>
             <a:fld id="{19846C5A-1DDF-42C4-9FB4-FFCE11C434AC}" type="datetimeFigureOut">
               <a:rPr lang="es-ES" smtClean="0"/>
-              <a:t>06/07/2020</a:t>
+              <a:t>09/07/2020</a:t>
             </a:fld>
             <a:endParaRPr lang="es-ES"/>
           </a:p>
@@ -17994,7 +17541,7 @@
           <a:p>
             <a:fld id="{19846C5A-1DDF-42C4-9FB4-FFCE11C434AC}" type="datetimeFigureOut">
               <a:rPr lang="es-ES" smtClean="0"/>
-              <a:t>06/07/2020</a:t>
+              <a:t>09/07/2020</a:t>
             </a:fld>
             <a:endParaRPr lang="es-ES"/>
           </a:p>
@@ -18247,7 +17794,7 @@
           <a:p>
             <a:fld id="{19846C5A-1DDF-42C4-9FB4-FFCE11C434AC}" type="datetimeFigureOut">
               <a:rPr lang="es-ES" smtClean="0"/>
-              <a:t>06/07/2020</a:t>
+              <a:t>09/07/2020</a:t>
             </a:fld>
             <a:endParaRPr lang="es-ES"/>
           </a:p>
@@ -18460,7 +18007,7 @@
           <a:p>
             <a:fld id="{19846C5A-1DDF-42C4-9FB4-FFCE11C434AC}" type="datetimeFigureOut">
               <a:rPr lang="es-ES" smtClean="0"/>
-              <a:t>06/07/2020</a:t>
+              <a:t>09/07/2020</a:t>
             </a:fld>
             <a:endParaRPr lang="es-ES"/>
           </a:p>
@@ -19928,111 +19475,6 @@
       </p:grpSpPr>
       <p:sp>
         <p:nvSpPr>
-          <p:cNvPr id="40964" name="Text Box 4"/>
-          <p:cNvSpPr txBox="1">
-            <a:spLocks noChangeArrowheads="1"/>
-          </p:cNvSpPr>
-          <p:nvPr/>
-        </p:nvSpPr>
-        <p:spPr bwMode="auto">
-          <a:xfrm>
-            <a:off x="5591944" y="5803270"/>
-            <a:ext cx="6015403" cy="246221"/>
-          </a:xfrm>
-          <a:prstGeom prst="rect">
-            <a:avLst/>
-          </a:prstGeom>
-          <a:noFill/>
-          <a:ln w="9525">
-            <a:noFill/>
-            <a:miter lim="800000"/>
-            <a:headEnd/>
-            <a:tailEnd/>
-          </a:ln>
-        </p:spPr>
-        <p:txBody>
-          <a:bodyPr lIns="0" tIns="0" rIns="0" bIns="0">
-            <a:spAutoFit/>
-          </a:bodyPr>
-          <a:lstStyle/>
-          <a:p>
-            <a:pPr algn="r" defTabSz="915988" eaLnBrk="0" hangingPunct="0">
-              <a:spcBef>
-                <a:spcPct val="50000"/>
-              </a:spcBef>
-            </a:pPr>
-            <a:r>
-              <a:rPr lang="es-ES_tradnl" sz="1600" b="1" dirty="0">
-                <a:solidFill>
-                  <a:srgbClr val="969696"/>
-                </a:solidFill>
-                <a:latin typeface="Arial" pitchFamily="34" charset="0"/>
-                <a:cs typeface="Arial" pitchFamily="34" charset="0"/>
-              </a:rPr>
-              <a:t>everis.com</a:t>
-            </a:r>
-          </a:p>
-        </p:txBody>
-      </p:sp>
-      <p:pic>
-        <p:nvPicPr>
-          <p:cNvPr id="4" name="3 Imagen"/>
-          <p:cNvPicPr>
-            <a:picLocks noChangeAspect="1"/>
-          </p:cNvPicPr>
-          <p:nvPr/>
-        </p:nvPicPr>
-        <p:blipFill rotWithShape="1">
-          <a:blip r:embed="rId3" cstate="print">
-            <a:extLst>
-              <a:ext uri="{28A0092B-C50C-407E-A947-70E740481C1C}">
-                <a14:useLocalDpi xmlns:a14="http://schemas.microsoft.com/office/drawing/2010/main" val="0"/>
-              </a:ext>
-            </a:extLst>
-          </a:blip>
-          <a:srcRect t="37502" b="35131"/>
-          <a:stretch/>
-        </p:blipFill>
-        <p:spPr>
-          <a:xfrm>
-            <a:off x="6456039" y="6049491"/>
-            <a:ext cx="5616624" cy="434040"/>
-          </a:xfrm>
-          <a:prstGeom prst="rect">
-            <a:avLst/>
-          </a:prstGeom>
-        </p:spPr>
-      </p:pic>
-      <p:pic>
-        <p:nvPicPr>
-          <p:cNvPr id="3" name="2 Marcador de contenido"/>
-          <p:cNvPicPr>
-            <a:picLocks noGrp="1" noChangeAspect="1"/>
-          </p:cNvPicPr>
-          <p:nvPr>
-            <p:ph/>
-          </p:nvPr>
-        </p:nvPicPr>
-        <p:blipFill rotWithShape="1">
-          <a:blip r:embed="rId4" cstate="print">
-            <a:extLst>
-              <a:ext uri="{28A0092B-C50C-407E-A947-70E740481C1C}">
-                <a14:useLocalDpi xmlns:a14="http://schemas.microsoft.com/office/drawing/2010/main" val="0"/>
-              </a:ext>
-            </a:extLst>
-          </a:blip>
-          <a:srcRect l="13576" t="19723" r="11897" b="18247"/>
-          <a:stretch/>
-        </p:blipFill>
-        <p:spPr>
-          <a:xfrm>
-            <a:off x="6744071" y="429800"/>
-            <a:ext cx="5328592" cy="2955570"/>
-          </a:xfrm>
-        </p:spPr>
-      </p:pic>
-      <p:sp>
-        <p:nvSpPr>
           <p:cNvPr id="6" name="Text Placeholder 3"/>
           <p:cNvSpPr txBox="1">
             <a:spLocks/>
@@ -20222,7 +19664,7 @@
               <a:rPr lang="es-ES" sz="2000" dirty="0" smtClean="0">
                 <a:latin typeface="Segoe UI Light" panose="020B0502040204020203" pitchFamily="34" charset="0"/>
                 <a:cs typeface="Segoe UI Light" panose="020B0502040204020203" pitchFamily="34" charset="0"/>
-                <a:hlinkClick r:id="rId5"/>
+                <a:hlinkClick r:id="rId3"/>
               </a:rPr>
               <a:t>jlguerrero@gmail.com</a:t>
             </a:r>
@@ -20248,6 +19690,90 @@
           </a:p>
         </p:txBody>
       </p:sp>
+      <p:sp>
+        <p:nvSpPr>
+          <p:cNvPr id="7" name="Rectangle 6"/>
+          <p:cNvSpPr/>
+          <p:nvPr/>
+        </p:nvSpPr>
+        <p:spPr>
+          <a:xfrm>
+            <a:off x="4536053" y="2859783"/>
+            <a:ext cx="6805384" cy="369332"/>
+          </a:xfrm>
+          <a:prstGeom prst="rect">
+            <a:avLst/>
+          </a:prstGeom>
+        </p:spPr>
+        <p:txBody>
+          <a:bodyPr wrap="square">
+            <a:spAutoFit/>
+          </a:bodyPr>
+          <a:lstStyle/>
+          <a:p>
+            <a:r>
+              <a:rPr lang="es-ES" dirty="0">
+                <a:hlinkClick r:id="rId4"/>
+              </a:rPr>
+              <a:t>https://github.com/juanluelguerre/Training/tree/master/CSFeatures</a:t>
+            </a:r>
+            <a:r>
+              <a:rPr lang="es-ES" dirty="0" smtClean="0">
+                <a:hlinkClick r:id="rId4"/>
+              </a:rPr>
+              <a:t>/</a:t>
+            </a:r>
+            <a:r>
+              <a:rPr lang="es-ES" dirty="0" smtClean="0"/>
+              <a:t> </a:t>
+            </a:r>
+            <a:endParaRPr lang="es-ES" dirty="0"/>
+          </a:p>
+        </p:txBody>
+      </p:sp>
+      <p:pic>
+        <p:nvPicPr>
+          <p:cNvPr id="8" name="Picture 2" descr="Resultado de imagen de github">
+            <a:hlinkClick r:id="rId4"/>
+          </p:cNvPr>
+          <p:cNvPicPr>
+            <a:picLocks noChangeAspect="1" noChangeArrowheads="1"/>
+          </p:cNvPicPr>
+          <p:nvPr/>
+        </p:nvPicPr>
+        <p:blipFill>
+          <a:blip r:embed="rId5" cstate="print">
+            <a:extLst>
+              <a:ext uri="{28A0092B-C50C-407E-A947-70E740481C1C}">
+                <a14:useLocalDpi xmlns:a14="http://schemas.microsoft.com/office/drawing/2010/main" val="0"/>
+              </a:ext>
+            </a:extLst>
+          </a:blip>
+          <a:srcRect/>
+          <a:stretch>
+            <a:fillRect/>
+          </a:stretch>
+        </p:blipFill>
+        <p:spPr bwMode="auto">
+          <a:xfrm>
+            <a:off x="8760296" y="2132856"/>
+            <a:ext cx="2242330" cy="745575"/>
+          </a:xfrm>
+          <a:prstGeom prst="rect">
+            <a:avLst/>
+          </a:prstGeom>
+          <a:noFill/>
+          <a:extLst>
+            <a:ext uri="{909E8E84-426E-40DD-AFC4-6F175D3DCCD1}">
+              <a14:hiddenFill xmlns:a14="http://schemas.microsoft.com/office/drawing/2010/main">
+                <a:solidFill>
+                  <a:srgbClr val="FFFFFF"/>
+                </a:solidFill>
+              </a14:hiddenFill>
+            </a:ext>
+          </a:extLst>
+        </p:spPr>
+      </p:pic>
     </p:spTree>
     <p:extLst>
       <p:ext uri="{BB962C8B-B14F-4D97-AF65-F5344CB8AC3E}">
